--- a/Analysis.pptx
+++ b/Analysis.pptx
@@ -3165,7 +3165,7 @@
           <a:p>
             <a:r>
               <a:rPr lang="en-US" dirty="0"/>
-              <a:t>Cohort AGE STATISTICS</a:t>
+              <a:t>Cohort Age Statistics</a:t>
             </a:r>
           </a:p>
         </p:txBody>
@@ -5964,7 +5964,7 @@
             </a:pPr>
             <a:r>
               <a:rPr lang="en" sz="3000" dirty="0"/>
-              <a:t>Total Cost:  Increased with age and disease</a:t>
+              <a:t>Total Cost:  increased with age and disease</a:t>
             </a:r>
           </a:p>
         </p:txBody>

--- a/Analysis.pptx
+++ b/Analysis.pptx
@@ -2993,34 +2993,6 @@
           <a:chExt cx="0" cy="0"/>
         </a:xfrm>
       </p:grpSpPr>
-      <p:pic>
-        <p:nvPicPr>
-          <p:cNvPr id="30" name="Shape 30"/>
-          <p:cNvPicPr preferRelativeResize="0"/>
-          <p:nvPr/>
-        </p:nvPicPr>
-        <p:blipFill>
-          <a:blip r:embed="rId3">
-            <a:alphaModFix/>
-          </a:blip>
-          <a:stretch>
-            <a:fillRect/>
-          </a:stretch>
-        </p:blipFill>
-        <p:spPr>
-          <a:xfrm>
-            <a:off x="6610100" y="4366400"/>
-            <a:ext cx="2533899" cy="2497349"/>
-          </a:xfrm>
-          <a:prstGeom prst="rect">
-            <a:avLst/>
-          </a:prstGeom>
-          <a:noFill/>
-          <a:ln>
-            <a:noFill/>
-          </a:ln>
-        </p:spPr>
-      </p:pic>
       <p:sp>
         <p:nvSpPr>
           <p:cNvPr id="32" name="Shape 32"/>
